--- a/crash-course/20230617-intro/opening-statement.pptx
+++ b/crash-course/20230617-intro/opening-statement.pptx
@@ -203,7 +203,7 @@
           <a:p>
             <a:fld id="{23A89A84-B49D-4BBC-B2F1-D40A0CCB7390}" type="datetimeFigureOut">
               <a:rPr lang="en-CA" smtClean="0"/>
-              <a:t>2023-06-16</a:t>
+              <a:t>2023-06-17</a:t>
             </a:fld>
             <a:endParaRPr lang="en-CA"/>
           </a:p>
@@ -973,7 +973,7 @@
           <a:p>
             <a:fld id="{A857E3B2-F749-45FE-9390-A42869309754}" type="datetimeFigureOut">
               <a:rPr lang="en-CA" smtClean="0"/>
-              <a:t>2023-06-16</a:t>
+              <a:t>2023-06-17</a:t>
             </a:fld>
             <a:endParaRPr lang="en-CA"/>
           </a:p>
@@ -1262,7 +1262,7 @@
           <a:p>
             <a:fld id="{A857E3B2-F749-45FE-9390-A42869309754}" type="datetimeFigureOut">
               <a:rPr lang="en-CA" smtClean="0"/>
-              <a:t>2023-06-16</a:t>
+              <a:t>2023-06-17</a:t>
             </a:fld>
             <a:endParaRPr lang="en-CA"/>
           </a:p>
@@ -1462,7 +1462,7 @@
           <a:p>
             <a:fld id="{A857E3B2-F749-45FE-9390-A42869309754}" type="datetimeFigureOut">
               <a:rPr lang="en-CA" smtClean="0"/>
-              <a:t>2023-06-16</a:t>
+              <a:t>2023-06-17</a:t>
             </a:fld>
             <a:endParaRPr lang="en-CA"/>
           </a:p>
@@ -1672,7 +1672,7 @@
           <a:p>
             <a:fld id="{A857E3B2-F749-45FE-9390-A42869309754}" type="datetimeFigureOut">
               <a:rPr lang="en-CA" smtClean="0"/>
-              <a:t>2023-06-16</a:t>
+              <a:t>2023-06-17</a:t>
             </a:fld>
             <a:endParaRPr lang="en-CA"/>
           </a:p>
@@ -2072,7 +2072,7 @@
           <a:p>
             <a:fld id="{A857E3B2-F749-45FE-9390-A42869309754}" type="datetimeFigureOut">
               <a:rPr lang="en-CA" smtClean="0"/>
-              <a:t>2023-06-16</a:t>
+              <a:t>2023-06-17</a:t>
             </a:fld>
             <a:endParaRPr lang="en-CA"/>
           </a:p>
@@ -2272,7 +2272,7 @@
           <a:p>
             <a:fld id="{A857E3B2-F749-45FE-9390-A42869309754}" type="datetimeFigureOut">
               <a:rPr lang="en-CA" smtClean="0"/>
-              <a:t>2023-06-16</a:t>
+              <a:t>2023-06-17</a:t>
             </a:fld>
             <a:endParaRPr lang="en-CA"/>
           </a:p>
@@ -2548,7 +2548,7 @@
           <a:p>
             <a:fld id="{A857E3B2-F749-45FE-9390-A42869309754}" type="datetimeFigureOut">
               <a:rPr lang="en-CA" smtClean="0"/>
-              <a:t>2023-06-16</a:t>
+              <a:t>2023-06-17</a:t>
             </a:fld>
             <a:endParaRPr lang="en-CA"/>
           </a:p>
@@ -2816,7 +2816,7 @@
           <a:p>
             <a:fld id="{A857E3B2-F749-45FE-9390-A42869309754}" type="datetimeFigureOut">
               <a:rPr lang="en-CA" smtClean="0"/>
-              <a:t>2023-06-16</a:t>
+              <a:t>2023-06-17</a:t>
             </a:fld>
             <a:endParaRPr lang="en-CA"/>
           </a:p>
@@ -3231,7 +3231,7 @@
           <a:p>
             <a:fld id="{A857E3B2-F749-45FE-9390-A42869309754}" type="datetimeFigureOut">
               <a:rPr lang="en-CA" smtClean="0"/>
-              <a:t>2023-06-16</a:t>
+              <a:t>2023-06-17</a:t>
             </a:fld>
             <a:endParaRPr lang="en-CA"/>
           </a:p>
@@ -3373,7 +3373,7 @@
           <a:p>
             <a:fld id="{A857E3B2-F749-45FE-9390-A42869309754}" type="datetimeFigureOut">
               <a:rPr lang="en-CA" smtClean="0"/>
-              <a:t>2023-06-16</a:t>
+              <a:t>2023-06-17</a:t>
             </a:fld>
             <a:endParaRPr lang="en-CA"/>
           </a:p>
@@ -3486,7 +3486,7 @@
           <a:p>
             <a:fld id="{A857E3B2-F749-45FE-9390-A42869309754}" type="datetimeFigureOut">
               <a:rPr lang="en-CA" smtClean="0"/>
-              <a:t>2023-06-16</a:t>
+              <a:t>2023-06-17</a:t>
             </a:fld>
             <a:endParaRPr lang="en-CA"/>
           </a:p>
@@ -3729,7 +3729,7 @@
           <a:p>
             <a:fld id="{A857E3B2-F749-45FE-9390-A42869309754}" type="datetimeFigureOut">
               <a:rPr lang="en-CA" smtClean="0"/>
-              <a:t>2023-06-16</a:t>
+              <a:t>2023-06-17</a:t>
             </a:fld>
             <a:endParaRPr lang="en-CA"/>
           </a:p>
@@ -4186,13 +4186,13 @@
           <a:lstStyle/>
           <a:p>
             <a:r>
-              <a:rPr lang="en-CA" sz="5000" dirty="0">
+              <a:rPr lang="en-CA" sz="5000">
                 <a:solidFill>
                   <a:schemeClr val="bg1"/>
                 </a:solidFill>
                 <a:latin typeface="Proxima Nova Bl" panose="02000506030000020004" pitchFamily="50" charset="0"/>
               </a:rPr>
-              <a:t>PREFACE </a:t>
+              <a:t>OPENING </a:t>
             </a:r>
             <a:r>
               <a:rPr lang="en-CA" sz="5000" dirty="0">
